--- a/docs/Figures/TissueWorking.pptx
+++ b/docs/Figures/TissueWorking.pptx
@@ -6,14 +6,13 @@
     <p:sldMasterId id="2147483672" r:id="rId2"/>
   </p:sldMasterIdLst>
   <p:notesMasterIdLst>
-    <p:notesMasterId r:id="rId8"/>
+    <p:notesMasterId r:id="rId7"/>
   </p:notesMasterIdLst>
   <p:sldIdLst>
-    <p:sldId id="266" r:id="rId3"/>
-    <p:sldId id="268" r:id="rId4"/>
-    <p:sldId id="269" r:id="rId5"/>
-    <p:sldId id="270" r:id="rId6"/>
-    <p:sldId id="271" r:id="rId7"/>
+    <p:sldId id="268" r:id="rId3"/>
+    <p:sldId id="269" r:id="rId4"/>
+    <p:sldId id="270" r:id="rId5"/>
+    <p:sldId id="271" r:id="rId6"/>
   </p:sldIdLst>
   <p:sldSz cx="9144000" cy="6858000" type="screen4x3"/>
   <p:notesSz cx="6996113" cy="9282113"/>
@@ -114,7 +113,7 @@
   </p:defaultTextStyle>
   <p:extLst>
     <p:ext uri="{EFAFB233-063F-42B5-8137-9DF3F51BA10A}">
-      <p15:sldGuideLst xmlns="" xmlns:p15="http://schemas.microsoft.com/office/powerpoint/2012/main">
+      <p15:sldGuideLst xmlns:p15="http://schemas.microsoft.com/office/powerpoint/2012/main">
         <p15:guide id="1" orient="horz" pos="2160">
           <p15:clr>
             <a:srgbClr val="A4A3A4"/>
@@ -213,7 +212,7 @@
           <a:p>
             <a:fld id="{7B126BB8-5932-4ACC-8CD5-328D9DA138C9}" type="datetimeFigureOut">
               <a:rPr lang="en-US" smtClean="0"/>
-              <a:t>12/15/2016</a:t>
+              <a:t>1/7/2020</a:t>
             </a:fld>
             <a:endParaRPr lang="en-US"/>
           </a:p>
@@ -277,38 +276,37 @@
           <a:p>
             <a:pPr lvl="0"/>
             <a:r>
-              <a:rPr lang="en-US" smtClean="0"/>
+              <a:rPr lang="en-US"/>
               <a:t>Click to edit Master text styles</a:t>
             </a:r>
           </a:p>
           <a:p>
             <a:pPr lvl="1"/>
             <a:r>
-              <a:rPr lang="en-US" smtClean="0"/>
+              <a:rPr lang="en-US"/>
               <a:t>Second level</a:t>
             </a:r>
           </a:p>
           <a:p>
             <a:pPr lvl="2"/>
             <a:r>
-              <a:rPr lang="en-US" smtClean="0"/>
+              <a:rPr lang="en-US"/>
               <a:t>Third level</a:t>
             </a:r>
           </a:p>
           <a:p>
             <a:pPr lvl="3"/>
             <a:r>
-              <a:rPr lang="en-US" smtClean="0"/>
+              <a:rPr lang="en-US"/>
               <a:t>Fourth level</a:t>
             </a:r>
           </a:p>
           <a:p>
             <a:pPr lvl="4"/>
             <a:r>
-              <a:rPr lang="en-US" smtClean="0"/>
+              <a:rPr lang="en-US"/>
               <a:t>Fifth level</a:t>
             </a:r>
-            <a:endParaRPr lang="en-US"/>
           </a:p>
         </p:txBody>
       </p:sp>
@@ -519,10 +517,9 @@
           <a:lstStyle/>
           <a:p>
             <a:r>
-              <a:rPr lang="en-US" smtClean="0"/>
+              <a:rPr lang="en-US"/>
               <a:t>Click to edit Master title style</a:t>
             </a:r>
-            <a:endParaRPr lang="en-US"/>
           </a:p>
         </p:txBody>
       </p:sp>
@@ -638,10 +635,9 @@
           </a:lstStyle>
           <a:p>
             <a:r>
-              <a:rPr lang="en-US" smtClean="0"/>
+              <a:rPr lang="en-US"/>
               <a:t>Click to edit Master subtitle style</a:t>
             </a:r>
-            <a:endParaRPr lang="en-US"/>
           </a:p>
         </p:txBody>
       </p:sp>
@@ -662,7 +658,7 @@
           <a:p>
             <a:fld id="{9E9AFD63-10BD-4598-9E1E-9FFECB76D2D7}" type="datetimeFigureOut">
               <a:rPr lang="en-US" smtClean="0"/>
-              <a:t>12/15/2016</a:t>
+              <a:t>1/7/2020</a:t>
             </a:fld>
             <a:endParaRPr lang="en-US"/>
           </a:p>
@@ -756,10 +752,9 @@
           <a:lstStyle/>
           <a:p>
             <a:r>
-              <a:rPr lang="en-US" smtClean="0"/>
+              <a:rPr lang="en-US"/>
               <a:t>Click to edit Master title style</a:t>
             </a:r>
-            <a:endParaRPr lang="en-US"/>
           </a:p>
         </p:txBody>
       </p:sp>
@@ -780,38 +775,37 @@
           <a:p>
             <a:pPr lvl="0"/>
             <a:r>
-              <a:rPr lang="en-US" smtClean="0"/>
+              <a:rPr lang="en-US"/>
               <a:t>Click to edit Master text styles</a:t>
             </a:r>
           </a:p>
           <a:p>
             <a:pPr lvl="1"/>
             <a:r>
-              <a:rPr lang="en-US" smtClean="0"/>
+              <a:rPr lang="en-US"/>
               <a:t>Second level</a:t>
             </a:r>
           </a:p>
           <a:p>
             <a:pPr lvl="2"/>
             <a:r>
-              <a:rPr lang="en-US" smtClean="0"/>
+              <a:rPr lang="en-US"/>
               <a:t>Third level</a:t>
             </a:r>
           </a:p>
           <a:p>
             <a:pPr lvl="3"/>
             <a:r>
-              <a:rPr lang="en-US" smtClean="0"/>
+              <a:rPr lang="en-US"/>
               <a:t>Fourth level</a:t>
             </a:r>
           </a:p>
           <a:p>
             <a:pPr lvl="4"/>
             <a:r>
-              <a:rPr lang="en-US" smtClean="0"/>
+              <a:rPr lang="en-US"/>
               <a:t>Fifth level</a:t>
             </a:r>
-            <a:endParaRPr lang="en-US"/>
           </a:p>
         </p:txBody>
       </p:sp>
@@ -832,7 +826,7 @@
           <a:p>
             <a:fld id="{9E9AFD63-10BD-4598-9E1E-9FFECB76D2D7}" type="datetimeFigureOut">
               <a:rPr lang="en-US" smtClean="0"/>
-              <a:t>12/15/2016</a:t>
+              <a:t>1/7/2020</a:t>
             </a:fld>
             <a:endParaRPr lang="en-US"/>
           </a:p>
@@ -931,10 +925,9 @@
           <a:lstStyle/>
           <a:p>
             <a:r>
-              <a:rPr lang="en-US" smtClean="0"/>
+              <a:rPr lang="en-US"/>
               <a:t>Click to edit Master title style</a:t>
             </a:r>
-            <a:endParaRPr lang="en-US"/>
           </a:p>
         </p:txBody>
       </p:sp>
@@ -960,38 +953,37 @@
           <a:p>
             <a:pPr lvl="0"/>
             <a:r>
-              <a:rPr lang="en-US" smtClean="0"/>
+              <a:rPr lang="en-US"/>
               <a:t>Click to edit Master text styles</a:t>
             </a:r>
           </a:p>
           <a:p>
             <a:pPr lvl="1"/>
             <a:r>
-              <a:rPr lang="en-US" smtClean="0"/>
+              <a:rPr lang="en-US"/>
               <a:t>Second level</a:t>
             </a:r>
           </a:p>
           <a:p>
             <a:pPr lvl="2"/>
             <a:r>
-              <a:rPr lang="en-US" smtClean="0"/>
+              <a:rPr lang="en-US"/>
               <a:t>Third level</a:t>
             </a:r>
           </a:p>
           <a:p>
             <a:pPr lvl="3"/>
             <a:r>
-              <a:rPr lang="en-US" smtClean="0"/>
+              <a:rPr lang="en-US"/>
               <a:t>Fourth level</a:t>
             </a:r>
           </a:p>
           <a:p>
             <a:pPr lvl="4"/>
             <a:r>
-              <a:rPr lang="en-US" smtClean="0"/>
+              <a:rPr lang="en-US"/>
               <a:t>Fifth level</a:t>
             </a:r>
-            <a:endParaRPr lang="en-US"/>
           </a:p>
         </p:txBody>
       </p:sp>
@@ -1012,7 +1004,7 @@
           <a:p>
             <a:fld id="{9E9AFD63-10BD-4598-9E1E-9FFECB76D2D7}" type="datetimeFigureOut">
               <a:rPr lang="en-US" smtClean="0"/>
-              <a:t>12/15/2016</a:t>
+              <a:t>1/7/2020</a:t>
             </a:fld>
             <a:endParaRPr lang="en-US"/>
           </a:p>
@@ -1207,10 +1199,9 @@
           </a:lstStyle>
           <a:p>
             <a:r>
-              <a:rPr lang="en-US" dirty="0" smtClean="0"/>
+              <a:rPr lang="en-US" dirty="0"/>
               <a:t>date</a:t>
             </a:r>
-            <a:endParaRPr lang="en-US" dirty="0"/>
           </a:p>
         </p:txBody>
       </p:sp>
@@ -1374,10 +1365,9 @@
           </a:lstStyle>
           <a:p>
             <a:r>
-              <a:rPr lang="en-US" dirty="0" smtClean="0"/>
+              <a:rPr lang="en-US" dirty="0"/>
               <a:t>Click to edit title</a:t>
             </a:r>
-            <a:endParaRPr lang="en-US" dirty="0"/>
           </a:p>
         </p:txBody>
       </p:sp>
@@ -1466,38 +1456,37 @@
           <a:p>
             <a:pPr lvl="0"/>
             <a:r>
-              <a:rPr lang="en-US" smtClean="0"/>
+              <a:rPr lang="en-US"/>
               <a:t>Click to edit Master text styles</a:t>
             </a:r>
           </a:p>
           <a:p>
             <a:pPr lvl="1"/>
             <a:r>
-              <a:rPr lang="en-US" smtClean="0"/>
+              <a:rPr lang="en-US"/>
               <a:t>Second level</a:t>
             </a:r>
           </a:p>
           <a:p>
             <a:pPr lvl="2"/>
             <a:r>
-              <a:rPr lang="en-US" smtClean="0"/>
+              <a:rPr lang="en-US"/>
               <a:t>Third level</a:t>
             </a:r>
           </a:p>
           <a:p>
             <a:pPr lvl="3"/>
             <a:r>
-              <a:rPr lang="en-US" smtClean="0"/>
+              <a:rPr lang="en-US"/>
               <a:t>Fourth level</a:t>
             </a:r>
           </a:p>
           <a:p>
             <a:pPr lvl="4"/>
             <a:r>
-              <a:rPr lang="en-US" smtClean="0"/>
+              <a:rPr lang="en-US"/>
               <a:t>Fifth level</a:t>
             </a:r>
-            <a:endParaRPr lang="en-US"/>
           </a:p>
         </p:txBody>
       </p:sp>
@@ -1527,7 +1516,7 @@
           <a:lstStyle/>
           <a:p>
             <a:r>
-              <a:rPr lang="en-US" smtClean="0"/>
+              <a:rPr lang="en-US"/>
               <a:t>Click to edit Master title style</a:t>
             </a:r>
             <a:endParaRPr lang="en-US" dirty="0"/>
@@ -1592,7 +1581,7 @@
           </a:lstStyle>
           <a:p>
             <a:r>
-              <a:rPr lang="en-US" smtClean="0"/>
+              <a:rPr lang="en-US"/>
               <a:t>Click to edit Master title style</a:t>
             </a:r>
             <a:endParaRPr lang="en-US" dirty="0"/>
@@ -1715,7 +1704,7 @@
           <a:p>
             <a:pPr lvl="0"/>
             <a:r>
-              <a:rPr lang="en-US" smtClean="0"/>
+              <a:rPr lang="en-US"/>
               <a:t>Click to edit Master text styles</a:t>
             </a:r>
           </a:p>
@@ -1804,35 +1793,35 @@
           <a:p>
             <a:pPr lvl="0"/>
             <a:r>
-              <a:rPr lang="en-US" smtClean="0"/>
+              <a:rPr lang="en-US"/>
               <a:t>Click to edit Master text styles</a:t>
             </a:r>
           </a:p>
           <a:p>
             <a:pPr lvl="1"/>
             <a:r>
-              <a:rPr lang="en-US" smtClean="0"/>
+              <a:rPr lang="en-US"/>
               <a:t>Second level</a:t>
             </a:r>
           </a:p>
           <a:p>
             <a:pPr lvl="2"/>
             <a:r>
-              <a:rPr lang="en-US" smtClean="0"/>
+              <a:rPr lang="en-US"/>
               <a:t>Third level</a:t>
             </a:r>
           </a:p>
           <a:p>
             <a:pPr lvl="3"/>
             <a:r>
-              <a:rPr lang="en-US" smtClean="0"/>
+              <a:rPr lang="en-US"/>
               <a:t>Fourth level</a:t>
             </a:r>
           </a:p>
           <a:p>
             <a:pPr lvl="4"/>
             <a:r>
-              <a:rPr lang="en-US" smtClean="0"/>
+              <a:rPr lang="en-US"/>
               <a:t>Fifth level</a:t>
             </a:r>
             <a:endParaRPr lang="en-US" dirty="0"/>
@@ -1892,38 +1881,37 @@
           <a:p>
             <a:pPr lvl="0"/>
             <a:r>
-              <a:rPr lang="en-US" smtClean="0"/>
+              <a:rPr lang="en-US"/>
               <a:t>Click to edit Master text styles</a:t>
             </a:r>
           </a:p>
           <a:p>
             <a:pPr lvl="1"/>
             <a:r>
-              <a:rPr lang="en-US" smtClean="0"/>
+              <a:rPr lang="en-US"/>
               <a:t>Second level</a:t>
             </a:r>
           </a:p>
           <a:p>
             <a:pPr lvl="2"/>
             <a:r>
-              <a:rPr lang="en-US" smtClean="0"/>
+              <a:rPr lang="en-US"/>
               <a:t>Third level</a:t>
             </a:r>
           </a:p>
           <a:p>
             <a:pPr lvl="3"/>
             <a:r>
-              <a:rPr lang="en-US" smtClean="0"/>
+              <a:rPr lang="en-US"/>
               <a:t>Fourth level</a:t>
             </a:r>
           </a:p>
           <a:p>
             <a:pPr lvl="4"/>
             <a:r>
-              <a:rPr lang="en-US" smtClean="0"/>
+              <a:rPr lang="en-US"/>
               <a:t>Fifth level</a:t>
             </a:r>
-            <a:endParaRPr lang="en-US"/>
           </a:p>
         </p:txBody>
       </p:sp>
@@ -1953,7 +1941,7 @@
           <a:lstStyle/>
           <a:p>
             <a:r>
-              <a:rPr lang="en-US" smtClean="0"/>
+              <a:rPr lang="en-US"/>
               <a:t>Click to edit Master title style</a:t>
             </a:r>
             <a:endParaRPr lang="en-US" dirty="0"/>
@@ -2054,7 +2042,7 @@
           <a:p>
             <a:pPr lvl="0"/>
             <a:r>
-              <a:rPr lang="en-US" smtClean="0"/>
+              <a:rPr lang="en-US"/>
               <a:t>Click to edit Master text styles</a:t>
             </a:r>
           </a:p>
@@ -2113,35 +2101,35 @@
           <a:p>
             <a:pPr lvl="0"/>
             <a:r>
-              <a:rPr lang="en-US" smtClean="0"/>
+              <a:rPr lang="en-US"/>
               <a:t>Click to edit Master text styles</a:t>
             </a:r>
           </a:p>
           <a:p>
             <a:pPr lvl="1"/>
             <a:r>
-              <a:rPr lang="en-US" smtClean="0"/>
+              <a:rPr lang="en-US"/>
               <a:t>Second level</a:t>
             </a:r>
           </a:p>
           <a:p>
             <a:pPr lvl="2"/>
             <a:r>
-              <a:rPr lang="en-US" smtClean="0"/>
+              <a:rPr lang="en-US"/>
               <a:t>Third level</a:t>
             </a:r>
           </a:p>
           <a:p>
             <a:pPr lvl="3"/>
             <a:r>
-              <a:rPr lang="en-US" smtClean="0"/>
+              <a:rPr lang="en-US"/>
               <a:t>Fourth level</a:t>
             </a:r>
           </a:p>
           <a:p>
             <a:pPr lvl="4"/>
             <a:r>
-              <a:rPr lang="en-US" smtClean="0"/>
+              <a:rPr lang="en-US"/>
               <a:t>Fifth level</a:t>
             </a:r>
             <a:endParaRPr lang="en-US" dirty="0"/>
@@ -2212,7 +2200,7 @@
           <a:p>
             <a:pPr lvl="0"/>
             <a:r>
-              <a:rPr lang="en-US" smtClean="0"/>
+              <a:rPr lang="en-US"/>
               <a:t>Click to edit Master text styles</a:t>
             </a:r>
           </a:p>
@@ -2271,38 +2259,37 @@
           <a:p>
             <a:pPr lvl="0"/>
             <a:r>
-              <a:rPr lang="en-US" smtClean="0"/>
+              <a:rPr lang="en-US"/>
               <a:t>Click to edit Master text styles</a:t>
             </a:r>
           </a:p>
           <a:p>
             <a:pPr lvl="1"/>
             <a:r>
-              <a:rPr lang="en-US" smtClean="0"/>
+              <a:rPr lang="en-US"/>
               <a:t>Second level</a:t>
             </a:r>
           </a:p>
           <a:p>
             <a:pPr lvl="2"/>
             <a:r>
-              <a:rPr lang="en-US" smtClean="0"/>
+              <a:rPr lang="en-US"/>
               <a:t>Third level</a:t>
             </a:r>
           </a:p>
           <a:p>
             <a:pPr lvl="3"/>
             <a:r>
-              <a:rPr lang="en-US" smtClean="0"/>
+              <a:rPr lang="en-US"/>
               <a:t>Fourth level</a:t>
             </a:r>
           </a:p>
           <a:p>
             <a:pPr lvl="4"/>
             <a:r>
-              <a:rPr lang="en-US" smtClean="0"/>
+              <a:rPr lang="en-US"/>
               <a:t>Fifth level</a:t>
             </a:r>
-            <a:endParaRPr lang="en-US"/>
           </a:p>
         </p:txBody>
       </p:sp>
@@ -2332,7 +2319,7 @@
           <a:lstStyle/>
           <a:p>
             <a:r>
-              <a:rPr lang="en-US" smtClean="0"/>
+              <a:rPr lang="en-US"/>
               <a:t>Click to edit Master title style</a:t>
             </a:r>
             <a:endParaRPr lang="en-US" dirty="0"/>
@@ -2395,7 +2382,7 @@
           <a:lstStyle/>
           <a:p>
             <a:r>
-              <a:rPr lang="en-US" smtClean="0"/>
+              <a:rPr lang="en-US"/>
               <a:t>Click to edit Master title style</a:t>
             </a:r>
             <a:endParaRPr lang="en-US" dirty="0"/>
@@ -2490,10 +2477,9 @@
           </a:lstStyle>
           <a:p>
             <a:r>
-              <a:rPr lang="en-US" smtClean="0"/>
+              <a:rPr lang="en-US"/>
               <a:t>Click to edit Master title style</a:t>
             </a:r>
-            <a:endParaRPr lang="en-US"/>
           </a:p>
         </p:txBody>
       </p:sp>
@@ -2550,35 +2536,35 @@
           <a:p>
             <a:pPr lvl="0"/>
             <a:r>
-              <a:rPr lang="en-US" smtClean="0"/>
+              <a:rPr lang="en-US"/>
               <a:t>Click to edit Master text styles</a:t>
             </a:r>
           </a:p>
           <a:p>
             <a:pPr lvl="1"/>
             <a:r>
-              <a:rPr lang="en-US" smtClean="0"/>
+              <a:rPr lang="en-US"/>
               <a:t>Second level</a:t>
             </a:r>
           </a:p>
           <a:p>
             <a:pPr lvl="2"/>
             <a:r>
-              <a:rPr lang="en-US" smtClean="0"/>
+              <a:rPr lang="en-US"/>
               <a:t>Third level</a:t>
             </a:r>
           </a:p>
           <a:p>
             <a:pPr lvl="3"/>
             <a:r>
-              <a:rPr lang="en-US" smtClean="0"/>
+              <a:rPr lang="en-US"/>
               <a:t>Fourth level</a:t>
             </a:r>
           </a:p>
           <a:p>
             <a:pPr lvl="4"/>
             <a:r>
-              <a:rPr lang="en-US" smtClean="0"/>
+              <a:rPr lang="en-US"/>
               <a:t>Fifth level</a:t>
             </a:r>
             <a:endParaRPr lang="en-US" dirty="0"/>
@@ -2647,7 +2633,7 @@
           <a:p>
             <a:pPr lvl="0"/>
             <a:r>
-              <a:rPr lang="en-US" smtClean="0"/>
+              <a:rPr lang="en-US"/>
               <a:t>Click to edit Master text styles</a:t>
             </a:r>
           </a:p>
@@ -2699,10 +2685,9 @@
           <a:lstStyle/>
           <a:p>
             <a:r>
-              <a:rPr lang="en-US" smtClean="0"/>
+              <a:rPr lang="en-US"/>
               <a:t>Click to edit Master title style</a:t>
             </a:r>
-            <a:endParaRPr lang="en-US"/>
           </a:p>
         </p:txBody>
       </p:sp>
@@ -2723,38 +2708,37 @@
           <a:p>
             <a:pPr lvl="0"/>
             <a:r>
-              <a:rPr lang="en-US" smtClean="0"/>
+              <a:rPr lang="en-US"/>
               <a:t>Click to edit Master text styles</a:t>
             </a:r>
           </a:p>
           <a:p>
             <a:pPr lvl="1"/>
             <a:r>
-              <a:rPr lang="en-US" smtClean="0"/>
+              <a:rPr lang="en-US"/>
               <a:t>Second level</a:t>
             </a:r>
           </a:p>
           <a:p>
             <a:pPr lvl="2"/>
             <a:r>
-              <a:rPr lang="en-US" smtClean="0"/>
+              <a:rPr lang="en-US"/>
               <a:t>Third level</a:t>
             </a:r>
           </a:p>
           <a:p>
             <a:pPr lvl="3"/>
             <a:r>
-              <a:rPr lang="en-US" smtClean="0"/>
+              <a:rPr lang="en-US"/>
               <a:t>Fourth level</a:t>
             </a:r>
           </a:p>
           <a:p>
             <a:pPr lvl="4"/>
             <a:r>
-              <a:rPr lang="en-US" smtClean="0"/>
+              <a:rPr lang="en-US"/>
               <a:t>Fifth level</a:t>
             </a:r>
-            <a:endParaRPr lang="en-US"/>
           </a:p>
         </p:txBody>
       </p:sp>
@@ -2775,7 +2759,7 @@
           <a:p>
             <a:fld id="{9E9AFD63-10BD-4598-9E1E-9FFECB76D2D7}" type="datetimeFigureOut">
               <a:rPr lang="en-US" smtClean="0"/>
-              <a:t>12/15/2016</a:t>
+              <a:t>1/7/2020</a:t>
             </a:fld>
             <a:endParaRPr lang="en-US"/>
           </a:p>
@@ -2881,10 +2865,9 @@
           </a:lstStyle>
           <a:p>
             <a:r>
-              <a:rPr lang="en-US" smtClean="0"/>
+              <a:rPr lang="en-US"/>
               <a:t>Click to edit Master title style</a:t>
             </a:r>
-            <a:endParaRPr lang="en-US"/>
           </a:p>
         </p:txBody>
       </p:sp>
@@ -2949,10 +2932,9 @@
           </a:lstStyle>
           <a:p>
             <a:r>
-              <a:rPr lang="en-US" smtClean="0"/>
+              <a:rPr lang="en-US"/>
               <a:t>Drag picture to placeholder or click icon to add</a:t>
             </a:r>
-            <a:endParaRPr lang="en-US"/>
           </a:p>
         </p:txBody>
       </p:sp>
@@ -3018,7 +3000,7 @@
           <a:p>
             <a:pPr lvl="0"/>
             <a:r>
-              <a:rPr lang="en-US" smtClean="0"/>
+              <a:rPr lang="en-US"/>
               <a:t>Click to edit Master text styles</a:t>
             </a:r>
           </a:p>
@@ -3079,10 +3061,9 @@
           </a:lstStyle>
           <a:p>
             <a:r>
-              <a:rPr lang="en-US" smtClean="0"/>
+              <a:rPr lang="en-US"/>
               <a:t>Click to edit Master title style</a:t>
             </a:r>
-            <a:endParaRPr lang="en-US"/>
           </a:p>
         </p:txBody>
       </p:sp>
@@ -3199,7 +3180,7 @@
           <a:p>
             <a:pPr lvl="0"/>
             <a:r>
-              <a:rPr lang="en-US" smtClean="0"/>
+              <a:rPr lang="en-US"/>
               <a:t>Click to edit Master text styles</a:t>
             </a:r>
           </a:p>
@@ -3222,7 +3203,7 @@
           <a:p>
             <a:fld id="{9E9AFD63-10BD-4598-9E1E-9FFECB76D2D7}" type="datetimeFigureOut">
               <a:rPr lang="en-US" smtClean="0"/>
-              <a:t>12/15/2016</a:t>
+              <a:t>1/7/2020</a:t>
             </a:fld>
             <a:endParaRPr lang="en-US"/>
           </a:p>
@@ -3316,10 +3297,9 @@
           <a:lstStyle/>
           <a:p>
             <a:r>
-              <a:rPr lang="en-US" smtClean="0"/>
+              <a:rPr lang="en-US"/>
               <a:t>Click to edit Master title style</a:t>
             </a:r>
-            <a:endParaRPr lang="en-US"/>
           </a:p>
         </p:txBody>
       </p:sp>
@@ -3373,38 +3353,37 @@
           <a:p>
             <a:pPr lvl="0"/>
             <a:r>
-              <a:rPr lang="en-US" smtClean="0"/>
+              <a:rPr lang="en-US"/>
               <a:t>Click to edit Master text styles</a:t>
             </a:r>
           </a:p>
           <a:p>
             <a:pPr lvl="1"/>
             <a:r>
-              <a:rPr lang="en-US" smtClean="0"/>
+              <a:rPr lang="en-US"/>
               <a:t>Second level</a:t>
             </a:r>
           </a:p>
           <a:p>
             <a:pPr lvl="2"/>
             <a:r>
-              <a:rPr lang="en-US" smtClean="0"/>
+              <a:rPr lang="en-US"/>
               <a:t>Third level</a:t>
             </a:r>
           </a:p>
           <a:p>
             <a:pPr lvl="3"/>
             <a:r>
-              <a:rPr lang="en-US" smtClean="0"/>
+              <a:rPr lang="en-US"/>
               <a:t>Fourth level</a:t>
             </a:r>
           </a:p>
           <a:p>
             <a:pPr lvl="4"/>
             <a:r>
-              <a:rPr lang="en-US" smtClean="0"/>
+              <a:rPr lang="en-US"/>
               <a:t>Fifth level</a:t>
             </a:r>
-            <a:endParaRPr lang="en-US"/>
           </a:p>
         </p:txBody>
       </p:sp>
@@ -3458,38 +3437,37 @@
           <a:p>
             <a:pPr lvl="0"/>
             <a:r>
-              <a:rPr lang="en-US" smtClean="0"/>
+              <a:rPr lang="en-US"/>
               <a:t>Click to edit Master text styles</a:t>
             </a:r>
           </a:p>
           <a:p>
             <a:pPr lvl="1"/>
             <a:r>
-              <a:rPr lang="en-US" smtClean="0"/>
+              <a:rPr lang="en-US"/>
               <a:t>Second level</a:t>
             </a:r>
           </a:p>
           <a:p>
             <a:pPr lvl="2"/>
             <a:r>
-              <a:rPr lang="en-US" smtClean="0"/>
+              <a:rPr lang="en-US"/>
               <a:t>Third level</a:t>
             </a:r>
           </a:p>
           <a:p>
             <a:pPr lvl="3"/>
             <a:r>
-              <a:rPr lang="en-US" smtClean="0"/>
+              <a:rPr lang="en-US"/>
               <a:t>Fourth level</a:t>
             </a:r>
           </a:p>
           <a:p>
             <a:pPr lvl="4"/>
             <a:r>
-              <a:rPr lang="en-US" smtClean="0"/>
+              <a:rPr lang="en-US"/>
               <a:t>Fifth level</a:t>
             </a:r>
-            <a:endParaRPr lang="en-US"/>
           </a:p>
         </p:txBody>
       </p:sp>
@@ -3510,7 +3488,7 @@
           <a:p>
             <a:fld id="{9E9AFD63-10BD-4598-9E1E-9FFECB76D2D7}" type="datetimeFigureOut">
               <a:rPr lang="en-US" smtClean="0"/>
-              <a:t>12/15/2016</a:t>
+              <a:t>1/7/2020</a:t>
             </a:fld>
             <a:endParaRPr lang="en-US"/>
           </a:p>
@@ -3608,10 +3586,9 @@
           </a:lstStyle>
           <a:p>
             <a:r>
-              <a:rPr lang="en-US" smtClean="0"/>
+              <a:rPr lang="en-US"/>
               <a:t>Click to edit Master title style</a:t>
             </a:r>
-            <a:endParaRPr lang="en-US"/>
           </a:p>
         </p:txBody>
       </p:sp>
@@ -3674,7 +3651,7 @@
           <a:p>
             <a:pPr lvl="0"/>
             <a:r>
-              <a:rPr lang="en-US" smtClean="0"/>
+              <a:rPr lang="en-US"/>
               <a:t>Click to edit Master text styles</a:t>
             </a:r>
           </a:p>
@@ -3730,38 +3707,37 @@
           <a:p>
             <a:pPr lvl="0"/>
             <a:r>
-              <a:rPr lang="en-US" smtClean="0"/>
+              <a:rPr lang="en-US"/>
               <a:t>Click to edit Master text styles</a:t>
             </a:r>
           </a:p>
           <a:p>
             <a:pPr lvl="1"/>
             <a:r>
-              <a:rPr lang="en-US" smtClean="0"/>
+              <a:rPr lang="en-US"/>
               <a:t>Second level</a:t>
             </a:r>
           </a:p>
           <a:p>
             <a:pPr lvl="2"/>
             <a:r>
-              <a:rPr lang="en-US" smtClean="0"/>
+              <a:rPr lang="en-US"/>
               <a:t>Third level</a:t>
             </a:r>
           </a:p>
           <a:p>
             <a:pPr lvl="3"/>
             <a:r>
-              <a:rPr lang="en-US" smtClean="0"/>
+              <a:rPr lang="en-US"/>
               <a:t>Fourth level</a:t>
             </a:r>
           </a:p>
           <a:p>
             <a:pPr lvl="4"/>
             <a:r>
-              <a:rPr lang="en-US" smtClean="0"/>
+              <a:rPr lang="en-US"/>
               <a:t>Fifth level</a:t>
             </a:r>
-            <a:endParaRPr lang="en-US"/>
           </a:p>
         </p:txBody>
       </p:sp>
@@ -3824,7 +3800,7 @@
           <a:p>
             <a:pPr lvl="0"/>
             <a:r>
-              <a:rPr lang="en-US" smtClean="0"/>
+              <a:rPr lang="en-US"/>
               <a:t>Click to edit Master text styles</a:t>
             </a:r>
           </a:p>
@@ -3880,38 +3856,37 @@
           <a:p>
             <a:pPr lvl="0"/>
             <a:r>
-              <a:rPr lang="en-US" smtClean="0"/>
+              <a:rPr lang="en-US"/>
               <a:t>Click to edit Master text styles</a:t>
             </a:r>
           </a:p>
           <a:p>
             <a:pPr lvl="1"/>
             <a:r>
-              <a:rPr lang="en-US" smtClean="0"/>
+              <a:rPr lang="en-US"/>
               <a:t>Second level</a:t>
             </a:r>
           </a:p>
           <a:p>
             <a:pPr lvl="2"/>
             <a:r>
-              <a:rPr lang="en-US" smtClean="0"/>
+              <a:rPr lang="en-US"/>
               <a:t>Third level</a:t>
             </a:r>
           </a:p>
           <a:p>
             <a:pPr lvl="3"/>
             <a:r>
-              <a:rPr lang="en-US" smtClean="0"/>
+              <a:rPr lang="en-US"/>
               <a:t>Fourth level</a:t>
             </a:r>
           </a:p>
           <a:p>
             <a:pPr lvl="4"/>
             <a:r>
-              <a:rPr lang="en-US" smtClean="0"/>
+              <a:rPr lang="en-US"/>
               <a:t>Fifth level</a:t>
             </a:r>
-            <a:endParaRPr lang="en-US"/>
           </a:p>
         </p:txBody>
       </p:sp>
@@ -3932,7 +3907,7 @@
           <a:p>
             <a:fld id="{9E9AFD63-10BD-4598-9E1E-9FFECB76D2D7}" type="datetimeFigureOut">
               <a:rPr lang="en-US" smtClean="0"/>
-              <a:t>12/15/2016</a:t>
+              <a:t>1/7/2020</a:t>
             </a:fld>
             <a:endParaRPr lang="en-US"/>
           </a:p>
@@ -4026,10 +4001,9 @@
           <a:lstStyle/>
           <a:p>
             <a:r>
-              <a:rPr lang="en-US" smtClean="0"/>
+              <a:rPr lang="en-US"/>
               <a:t>Click to edit Master title style</a:t>
             </a:r>
-            <a:endParaRPr lang="en-US"/>
           </a:p>
         </p:txBody>
       </p:sp>
@@ -4050,7 +4024,7 @@
           <a:p>
             <a:fld id="{9E9AFD63-10BD-4598-9E1E-9FFECB76D2D7}" type="datetimeFigureOut">
               <a:rPr lang="en-US" smtClean="0"/>
-              <a:t>12/15/2016</a:t>
+              <a:t>1/7/2020</a:t>
             </a:fld>
             <a:endParaRPr lang="en-US"/>
           </a:p>
@@ -4145,7 +4119,7 @@
           <a:p>
             <a:fld id="{9E9AFD63-10BD-4598-9E1E-9FFECB76D2D7}" type="datetimeFigureOut">
               <a:rPr lang="en-US" smtClean="0"/>
-              <a:t>12/15/2016</a:t>
+              <a:t>1/7/2020</a:t>
             </a:fld>
             <a:endParaRPr lang="en-US"/>
           </a:p>
@@ -4248,10 +4222,9 @@
           </a:lstStyle>
           <a:p>
             <a:r>
-              <a:rPr lang="en-US" smtClean="0"/>
+              <a:rPr lang="en-US"/>
               <a:t>Click to edit Master title style</a:t>
             </a:r>
-            <a:endParaRPr lang="en-US"/>
           </a:p>
         </p:txBody>
       </p:sp>
@@ -4305,38 +4278,37 @@
           <a:p>
             <a:pPr lvl="0"/>
             <a:r>
-              <a:rPr lang="en-US" smtClean="0"/>
+              <a:rPr lang="en-US"/>
               <a:t>Click to edit Master text styles</a:t>
             </a:r>
           </a:p>
           <a:p>
             <a:pPr lvl="1"/>
             <a:r>
-              <a:rPr lang="en-US" smtClean="0"/>
+              <a:rPr lang="en-US"/>
               <a:t>Second level</a:t>
             </a:r>
           </a:p>
           <a:p>
             <a:pPr lvl="2"/>
             <a:r>
-              <a:rPr lang="en-US" smtClean="0"/>
+              <a:rPr lang="en-US"/>
               <a:t>Third level</a:t>
             </a:r>
           </a:p>
           <a:p>
             <a:pPr lvl="3"/>
             <a:r>
-              <a:rPr lang="en-US" smtClean="0"/>
+              <a:rPr lang="en-US"/>
               <a:t>Fourth level</a:t>
             </a:r>
           </a:p>
           <a:p>
             <a:pPr lvl="4"/>
             <a:r>
-              <a:rPr lang="en-US" smtClean="0"/>
+              <a:rPr lang="en-US"/>
               <a:t>Fifth level</a:t>
             </a:r>
-            <a:endParaRPr lang="en-US"/>
           </a:p>
         </p:txBody>
       </p:sp>
@@ -4399,7 +4371,7 @@
           <a:p>
             <a:pPr lvl="0"/>
             <a:r>
-              <a:rPr lang="en-US" smtClean="0"/>
+              <a:rPr lang="en-US"/>
               <a:t>Click to edit Master text styles</a:t>
             </a:r>
           </a:p>
@@ -4422,7 +4394,7 @@
           <a:p>
             <a:fld id="{9E9AFD63-10BD-4598-9E1E-9FFECB76D2D7}" type="datetimeFigureOut">
               <a:rPr lang="en-US" smtClean="0"/>
-              <a:t>12/15/2016</a:t>
+              <a:t>1/7/2020</a:t>
             </a:fld>
             <a:endParaRPr lang="en-US"/>
           </a:p>
@@ -4525,10 +4497,9 @@
           </a:lstStyle>
           <a:p>
             <a:r>
-              <a:rPr lang="en-US" smtClean="0"/>
+              <a:rPr lang="en-US"/>
               <a:t>Click to edit Master title style</a:t>
             </a:r>
-            <a:endParaRPr lang="en-US"/>
           </a:p>
         </p:txBody>
       </p:sp>
@@ -4652,7 +4623,7 @@
           <a:p>
             <a:pPr lvl="0"/>
             <a:r>
-              <a:rPr lang="en-US" smtClean="0"/>
+              <a:rPr lang="en-US"/>
               <a:t>Click to edit Master text styles</a:t>
             </a:r>
           </a:p>
@@ -4675,7 +4646,7 @@
           <a:p>
             <a:fld id="{9E9AFD63-10BD-4598-9E1E-9FFECB76D2D7}" type="datetimeFigureOut">
               <a:rPr lang="en-US" smtClean="0"/>
-              <a:t>12/15/2016</a:t>
+              <a:t>1/7/2020</a:t>
             </a:fld>
             <a:endParaRPr lang="en-US"/>
           </a:p>
@@ -4784,10 +4755,9 @@
           <a:lstStyle/>
           <a:p>
             <a:r>
-              <a:rPr lang="en-US" smtClean="0"/>
+              <a:rPr lang="en-US"/>
               <a:t>Click to edit Master title style</a:t>
             </a:r>
-            <a:endParaRPr lang="en-US"/>
           </a:p>
         </p:txBody>
       </p:sp>
@@ -4818,38 +4788,37 @@
           <a:p>
             <a:pPr lvl="0"/>
             <a:r>
-              <a:rPr lang="en-US" smtClean="0"/>
+              <a:rPr lang="en-US"/>
               <a:t>Click to edit Master text styles</a:t>
             </a:r>
           </a:p>
           <a:p>
             <a:pPr lvl="1"/>
             <a:r>
-              <a:rPr lang="en-US" smtClean="0"/>
+              <a:rPr lang="en-US"/>
               <a:t>Second level</a:t>
             </a:r>
           </a:p>
           <a:p>
             <a:pPr lvl="2"/>
             <a:r>
-              <a:rPr lang="en-US" smtClean="0"/>
+              <a:rPr lang="en-US"/>
               <a:t>Third level</a:t>
             </a:r>
           </a:p>
           <a:p>
             <a:pPr lvl="3"/>
             <a:r>
-              <a:rPr lang="en-US" smtClean="0"/>
+              <a:rPr lang="en-US"/>
               <a:t>Fourth level</a:t>
             </a:r>
           </a:p>
           <a:p>
             <a:pPr lvl="4"/>
             <a:r>
-              <a:rPr lang="en-US" smtClean="0"/>
+              <a:rPr lang="en-US"/>
               <a:t>Fifth level</a:t>
             </a:r>
-            <a:endParaRPr lang="en-US"/>
           </a:p>
         </p:txBody>
       </p:sp>
@@ -4888,7 +4857,7 @@
           <a:p>
             <a:fld id="{9E9AFD63-10BD-4598-9E1E-9FFECB76D2D7}" type="datetimeFigureOut">
               <a:rPr lang="en-US" smtClean="0"/>
-              <a:t>12/15/2016</a:t>
+              <a:t>1/7/2020</a:t>
             </a:fld>
             <a:endParaRPr lang="en-US"/>
           </a:p>
@@ -5384,10 +5353,10 @@
                 <a:ea typeface="ＭＳ Ｐゴシック" pitchFamily="-106" charset="-128"/>
                 <a:cs typeface="ＭＳ Ｐゴシック" pitchFamily="-106" charset="-128"/>
               </a:rPr>
-              <a:t>Copyright </a:t>
-            </a:r>
-            <a:r>
-              <a:rPr lang="en-US" sz="600" dirty="0" smtClean="0">
+              <a:t>Copyright 2014. All rights reserved. Applied </a:t>
+            </a:r>
+            <a:r>
+              <a:rPr lang="en-US" sz="600" dirty="0" err="1">
                 <a:solidFill>
                   <a:prstClr val="black">
                     <a:lumMod val="65000"/>
@@ -5399,7 +5368,7 @@
                 <a:ea typeface="ＭＳ Ｐゴシック" pitchFamily="-106" charset="-128"/>
                 <a:cs typeface="ＭＳ Ｐゴシック" pitchFamily="-106" charset="-128"/>
               </a:rPr>
-              <a:t>2014. </a:t>
+              <a:t>ReArch</a:t>
             </a:r>
             <a:r>
               <a:rPr lang="en-US" sz="600" dirty="0">
@@ -5414,52 +5383,7 @@
                 <a:ea typeface="ＭＳ Ｐゴシック" pitchFamily="-106" charset="-128"/>
                 <a:cs typeface="ＭＳ Ｐゴシック" pitchFamily="-106" charset="-128"/>
               </a:rPr>
-              <a:t>All rights reserved. Applied </a:t>
-            </a:r>
-            <a:r>
-              <a:rPr lang="en-US" sz="600" dirty="0" err="1" smtClean="0">
-                <a:solidFill>
-                  <a:prstClr val="black">
-                    <a:lumMod val="65000"/>
-                    <a:lumOff val="35000"/>
-                    <a:alpha val="30000"/>
-                  </a:prstClr>
-                </a:solidFill>
-                <a:latin typeface="Arial" pitchFamily="-108" charset="0"/>
-                <a:ea typeface="ＭＳ Ｐゴシック" pitchFamily="-106" charset="-128"/>
-                <a:cs typeface="ＭＳ Ｐゴシック" pitchFamily="-106" charset="-128"/>
-              </a:rPr>
-              <a:t>ReArch</a:t>
-            </a:r>
-            <a:r>
-              <a:rPr lang="en-US" sz="600" dirty="0" smtClean="0">
-                <a:solidFill>
-                  <a:prstClr val="black">
-                    <a:lumMod val="65000"/>
-                    <a:lumOff val="35000"/>
-                    <a:alpha val="30000"/>
-                  </a:prstClr>
-                </a:solidFill>
-                <a:latin typeface="Arial" pitchFamily="-108" charset="0"/>
-                <a:ea typeface="ＭＳ Ｐゴシック" pitchFamily="-106" charset="-128"/>
-                <a:cs typeface="ＭＳ Ｐゴシック" pitchFamily="-106" charset="-128"/>
-              </a:rPr>
-              <a:t> </a:t>
-            </a:r>
-            <a:r>
-              <a:rPr lang="en-US" sz="600" dirty="0">
-                <a:solidFill>
-                  <a:prstClr val="black">
-                    <a:lumMod val="65000"/>
-                    <a:lumOff val="35000"/>
-                    <a:alpha val="30000"/>
-                  </a:prstClr>
-                </a:solidFill>
-                <a:latin typeface="Arial" pitchFamily="-108" charset="0"/>
-                <a:ea typeface="ＭＳ Ｐゴシック" pitchFamily="-106" charset="-128"/>
-                <a:cs typeface="ＭＳ Ｐゴシック" pitchFamily="-106" charset="-128"/>
-              </a:rPr>
-              <a:t>Associates, Inc.</a:t>
+              <a:t> Associates, Inc.</a:t>
             </a:r>
           </a:p>
         </p:txBody>
@@ -5542,35 +5466,35 @@
           <a:p>
             <a:pPr lvl="0"/>
             <a:r>
-              <a:rPr lang="en-US" smtClean="0"/>
+              <a:rPr lang="en-US"/>
               <a:t>Click to edit Master text styles</a:t>
             </a:r>
           </a:p>
           <a:p>
             <a:pPr lvl="1"/>
             <a:r>
-              <a:rPr lang="en-US" smtClean="0"/>
+              <a:rPr lang="en-US"/>
               <a:t>Second level</a:t>
             </a:r>
           </a:p>
           <a:p>
             <a:pPr lvl="2"/>
             <a:r>
-              <a:rPr lang="en-US" smtClean="0"/>
+              <a:rPr lang="en-US"/>
               <a:t>Third level</a:t>
             </a:r>
           </a:p>
           <a:p>
             <a:pPr lvl="3"/>
             <a:r>
-              <a:rPr lang="en-US" smtClean="0"/>
+              <a:rPr lang="en-US"/>
               <a:t>Fourth level</a:t>
             </a:r>
           </a:p>
           <a:p>
             <a:pPr lvl="4"/>
             <a:r>
-              <a:rPr lang="en-US" smtClean="0"/>
+              <a:rPr lang="en-US"/>
               <a:t>Fifth level</a:t>
             </a:r>
             <a:endParaRPr lang="en-US" dirty="0"/>
@@ -5603,7 +5527,7 @@
           <a:lstStyle/>
           <a:p>
             <a:r>
-              <a:rPr lang="en-US" smtClean="0"/>
+              <a:rPr lang="en-US"/>
               <a:t>Click to edit Master title style</a:t>
             </a:r>
             <a:endParaRPr lang="en-US" dirty="0"/>
@@ -6091,598 +6015,6 @@
           <a:chExt cx="0" cy="0"/>
         </a:xfrm>
       </p:grpSpPr>
-      <p:grpSp>
-        <p:nvGrpSpPr>
-          <p:cNvPr id="3" name="Group 2"/>
-          <p:cNvGrpSpPr/>
-          <p:nvPr/>
-        </p:nvGrpSpPr>
-        <p:grpSpPr>
-          <a:xfrm>
-            <a:off x="404446" y="2224007"/>
-            <a:ext cx="8600070" cy="3033793"/>
-            <a:chOff x="404446" y="2224007"/>
-            <a:chExt cx="8600070" cy="3033793"/>
-          </a:xfrm>
-        </p:grpSpPr>
-        <p:sp>
-          <p:nvSpPr>
-            <p:cNvPr id="18" name="Down Arrow 17"/>
-            <p:cNvSpPr/>
-            <p:nvPr/>
-          </p:nvSpPr>
-          <p:spPr>
-            <a:xfrm rot="16200000">
-              <a:off x="2589334" y="3628530"/>
-              <a:ext cx="457200" cy="457200"/>
-            </a:xfrm>
-            <a:prstGeom prst="downArrow">
-              <a:avLst/>
-            </a:prstGeom>
-          </p:spPr>
-          <p:style>
-            <a:lnRef idx="2">
-              <a:schemeClr val="dk1">
-                <a:shade val="50000"/>
-              </a:schemeClr>
-            </a:lnRef>
-            <a:fillRef idx="1">
-              <a:schemeClr val="dk1"/>
-            </a:fillRef>
-            <a:effectRef idx="0">
-              <a:schemeClr val="dk1"/>
-            </a:effectRef>
-            <a:fontRef idx="minor">
-              <a:schemeClr val="lt1"/>
-            </a:fontRef>
-          </p:style>
-          <p:txBody>
-            <a:bodyPr rtlCol="0" anchor="ctr"/>
-            <a:lstStyle/>
-            <a:p>
-              <a:pPr algn="ctr"/>
-              <a:endParaRPr lang="en-US">
-                <a:solidFill>
-                  <a:prstClr val="white"/>
-                </a:solidFill>
-              </a:endParaRPr>
-            </a:p>
-          </p:txBody>
-        </p:sp>
-        <p:sp>
-          <p:nvSpPr>
-            <p:cNvPr id="6" name="Rounded Rectangle 5"/>
-            <p:cNvSpPr/>
-            <p:nvPr/>
-          </p:nvSpPr>
-          <p:spPr>
-            <a:xfrm>
-              <a:off x="404446" y="3514230"/>
-              <a:ext cx="2057400" cy="685800"/>
-            </a:xfrm>
-            <a:prstGeom prst="roundRect">
-              <a:avLst/>
-            </a:prstGeom>
-          </p:spPr>
-          <p:style>
-            <a:lnRef idx="2">
-              <a:schemeClr val="accent1">
-                <a:shade val="50000"/>
-              </a:schemeClr>
-            </a:lnRef>
-            <a:fillRef idx="1">
-              <a:schemeClr val="accent1"/>
-            </a:fillRef>
-            <a:effectRef idx="0">
-              <a:schemeClr val="accent1"/>
-            </a:effectRef>
-            <a:fontRef idx="minor">
-              <a:schemeClr val="lt1"/>
-            </a:fontRef>
-          </p:style>
-          <p:txBody>
-            <a:bodyPr rtlCol="0" anchor="t" anchorCtr="0"/>
-            <a:lstStyle/>
-            <a:p>
-              <a:pPr algn="ctr"/>
-              <a:r>
-                <a:rPr lang="en-US" sz="1050" b="1" u="sng" dirty="0" smtClean="0">
-                  <a:solidFill>
-                    <a:prstClr val="white"/>
-                  </a:solidFill>
-                </a:rPr>
-                <a:t>Preprocess</a:t>
-              </a:r>
-            </a:p>
-            <a:p>
-              <a:pPr marL="119063" indent="-119063">
-                <a:buFont typeface="Arial" pitchFamily="34" charset="0"/>
-                <a:buChar char="•"/>
-              </a:pPr>
-              <a:r>
-                <a:rPr lang="en-US" sz="1050" dirty="0" err="1" smtClean="0"/>
-                <a:t>ProduceAlbumin</a:t>
-              </a:r>
-              <a:endParaRPr lang="en-US" sz="1050" dirty="0" smtClean="0"/>
-            </a:p>
-          </p:txBody>
-        </p:sp>
-        <p:sp>
-          <p:nvSpPr>
-            <p:cNvPr id="26" name="Rounded Rectangle 25"/>
-            <p:cNvSpPr/>
-            <p:nvPr/>
-          </p:nvSpPr>
-          <p:spPr>
-            <a:xfrm>
-              <a:off x="3174022" y="2681195"/>
-              <a:ext cx="3200400" cy="2177523"/>
-            </a:xfrm>
-            <a:prstGeom prst="roundRect">
-              <a:avLst/>
-            </a:prstGeom>
-          </p:spPr>
-          <p:style>
-            <a:lnRef idx="2">
-              <a:schemeClr val="accent1">
-                <a:shade val="50000"/>
-              </a:schemeClr>
-            </a:lnRef>
-            <a:fillRef idx="1">
-              <a:schemeClr val="accent1"/>
-            </a:fillRef>
-            <a:effectRef idx="0">
-              <a:schemeClr val="accent1"/>
-            </a:effectRef>
-            <a:fontRef idx="minor">
-              <a:schemeClr val="lt1"/>
-            </a:fontRef>
-          </p:style>
-          <p:txBody>
-            <a:bodyPr rtlCol="0" anchor="t" anchorCtr="0"/>
-            <a:lstStyle/>
-            <a:p>
-              <a:pPr algn="ctr"/>
-              <a:r>
-                <a:rPr lang="en-US" sz="1050" b="1" u="sng" dirty="0" smtClean="0">
-                  <a:solidFill>
-                    <a:prstClr val="white"/>
-                  </a:solidFill>
-                </a:rPr>
-                <a:t>Process</a:t>
-              </a:r>
-            </a:p>
-            <a:p>
-              <a:pPr marL="119063" indent="-119063">
-                <a:buFont typeface="Arial" pitchFamily="34" charset="0"/>
-                <a:buChar char="•"/>
-              </a:pPr>
-              <a:r>
-                <a:rPr lang="en-US" sz="1050" i="1" dirty="0"/>
-                <a:t>Combined Circuit Solved by </a:t>
-              </a:r>
-              <a:r>
-                <a:rPr lang="en-US" sz="1050" i="1" dirty="0" smtClean="0"/>
-                <a:t>Cardiovascular</a:t>
-              </a:r>
-              <a:endParaRPr lang="en-US" sz="1050" dirty="0" smtClean="0"/>
-            </a:p>
-            <a:p>
-              <a:pPr marL="119063" indent="-119063">
-                <a:buFont typeface="Arial" pitchFamily="34" charset="0"/>
-                <a:buChar char="•"/>
-              </a:pPr>
-              <a:r>
-                <a:rPr lang="en-US" sz="1050" dirty="0" err="1" smtClean="0"/>
-                <a:t>CalculateMetabolicConsumptionAndProduction</a:t>
-              </a:r>
-              <a:endParaRPr lang="en-US" sz="1050" dirty="0" smtClean="0"/>
-            </a:p>
-            <a:p>
-              <a:pPr marL="119063" indent="-119063">
-                <a:buFont typeface="Arial" pitchFamily="34" charset="0"/>
-                <a:buChar char="•"/>
-              </a:pPr>
-              <a:r>
-                <a:rPr lang="en-US" sz="1050" dirty="0" err="1" smtClean="0"/>
-                <a:t>CalculatePulmonaryCapillarySubstanceTransfer</a:t>
-              </a:r>
-              <a:endParaRPr lang="en-US" sz="1050" dirty="0"/>
-            </a:p>
-            <a:p>
-              <a:pPr marL="119063" indent="-119063">
-                <a:buFont typeface="Arial" pitchFamily="34" charset="0"/>
-                <a:buChar char="•"/>
-              </a:pPr>
-              <a:r>
-                <a:rPr lang="en-US" sz="1050" dirty="0" err="1" smtClean="0"/>
-                <a:t>CalculateDiffusion</a:t>
-              </a:r>
-              <a:endParaRPr lang="en-US" sz="1050" dirty="0" smtClean="0"/>
-            </a:p>
-            <a:p>
-              <a:pPr marL="347663" lvl="1" indent="-119063">
-                <a:buFont typeface="Arial" pitchFamily="34" charset="0"/>
-                <a:buChar char="•"/>
-              </a:pPr>
-              <a:r>
-                <a:rPr lang="en-US" sz="1050" dirty="0" err="1"/>
-                <a:t>PerfusionLimitedDiffusion</a:t>
-              </a:r>
-              <a:endParaRPr lang="en-US" sz="1050" dirty="0" smtClean="0"/>
-            </a:p>
-            <a:p>
-              <a:pPr marL="347663" lvl="1" indent="-119063">
-                <a:buFont typeface="Arial" pitchFamily="34" charset="0"/>
-                <a:buChar char="•"/>
-              </a:pPr>
-              <a:r>
-                <a:rPr lang="en-US" sz="1050" dirty="0" err="1" smtClean="0"/>
-                <a:t>MoveMassByInstantDiffusion</a:t>
-              </a:r>
-              <a:endParaRPr lang="en-US" sz="1050" dirty="0" smtClean="0"/>
-            </a:p>
-            <a:p>
-              <a:pPr marL="347663" lvl="1" indent="-119063">
-                <a:buFont typeface="Arial" pitchFamily="34" charset="0"/>
-                <a:buChar char="•"/>
-              </a:pPr>
-              <a:r>
-                <a:rPr lang="en-US" sz="1050" dirty="0" err="1" smtClean="0"/>
-                <a:t>MoveMassBySimpleDiffusion</a:t>
-              </a:r>
-              <a:endParaRPr lang="en-US" sz="1050" dirty="0" smtClean="0"/>
-            </a:p>
-            <a:p>
-              <a:pPr marL="347663" lvl="1" indent="-119063">
-                <a:buFont typeface="Arial" pitchFamily="34" charset="0"/>
-                <a:buChar char="•"/>
-              </a:pPr>
-              <a:r>
-                <a:rPr lang="en-US" sz="1050" dirty="0" err="1" smtClean="0"/>
-                <a:t>MoveMassByFacilitatedDiffusion</a:t>
-              </a:r>
-              <a:endParaRPr lang="en-US" sz="1050" dirty="0" smtClean="0"/>
-            </a:p>
-            <a:p>
-              <a:pPr marL="347663" lvl="1" indent="-119063">
-                <a:buFont typeface="Arial" pitchFamily="34" charset="0"/>
-                <a:buChar char="•"/>
-              </a:pPr>
-              <a:r>
-                <a:rPr lang="en-US" sz="1050" dirty="0" err="1" smtClean="0"/>
-                <a:t>MoveMassByActiveTransport</a:t>
-              </a:r>
-              <a:endParaRPr lang="en-US" sz="1050" dirty="0" smtClean="0"/>
-            </a:p>
-            <a:p>
-              <a:pPr indent="-228600">
-                <a:buFont typeface="Arial" pitchFamily="34" charset="0"/>
-                <a:buChar char="•"/>
-              </a:pPr>
-              <a:r>
-                <a:rPr lang="en-US" sz="1050" dirty="0" err="1" smtClean="0"/>
-                <a:t>CalculateBloodGasDistribution</a:t>
-              </a:r>
-              <a:endParaRPr lang="en-US" sz="1050" dirty="0" smtClean="0"/>
-            </a:p>
-            <a:p>
-              <a:pPr indent="-228600">
-                <a:buFont typeface="Arial" pitchFamily="34" charset="0"/>
-                <a:buChar char="•"/>
-              </a:pPr>
-              <a:r>
-                <a:rPr lang="en-US" sz="1050" dirty="0" err="1"/>
-                <a:t>CalculateVitals</a:t>
-              </a:r>
-              <a:endParaRPr lang="en-US" sz="1050" dirty="0"/>
-            </a:p>
-          </p:txBody>
-        </p:sp>
-        <p:sp>
-          <p:nvSpPr>
-            <p:cNvPr id="33" name="Rounded Rectangle 32"/>
-            <p:cNvSpPr/>
-            <p:nvPr/>
-          </p:nvSpPr>
-          <p:spPr>
-            <a:xfrm>
-              <a:off x="404446" y="2224007"/>
-              <a:ext cx="2057400" cy="642728"/>
-            </a:xfrm>
-            <a:prstGeom prst="roundRect">
-              <a:avLst/>
-            </a:prstGeom>
-          </p:spPr>
-          <p:style>
-            <a:lnRef idx="2">
-              <a:schemeClr val="accent1">
-                <a:shade val="50000"/>
-              </a:schemeClr>
-            </a:lnRef>
-            <a:fillRef idx="1">
-              <a:schemeClr val="accent1"/>
-            </a:fillRef>
-            <a:effectRef idx="0">
-              <a:schemeClr val="accent1"/>
-            </a:effectRef>
-            <a:fontRef idx="minor">
-              <a:schemeClr val="lt1"/>
-            </a:fontRef>
-          </p:style>
-          <p:txBody>
-            <a:bodyPr rtlCol="0" anchor="t" anchorCtr="0"/>
-            <a:lstStyle/>
-            <a:p>
-              <a:pPr algn="ctr"/>
-              <a:r>
-                <a:rPr lang="en-US" sz="1050" b="1" u="sng" dirty="0" smtClean="0">
-                  <a:solidFill>
-                    <a:prstClr val="white"/>
-                  </a:solidFill>
-                </a:rPr>
-                <a:t>Conditions</a:t>
-              </a:r>
-            </a:p>
-            <a:p>
-              <a:pPr marL="119063" indent="-119063">
-                <a:buFont typeface="Arial" pitchFamily="34" charset="0"/>
-                <a:buChar char="•"/>
-              </a:pPr>
-              <a:r>
-                <a:rPr lang="en-US" sz="1050" i="1" dirty="0" smtClean="0">
-                  <a:solidFill>
-                    <a:prstClr val="white"/>
-                  </a:solidFill>
-                </a:rPr>
-                <a:t>Future: will enable starvation and dehydration conditions</a:t>
-              </a:r>
-              <a:endParaRPr lang="en-US" sz="1050" i="1" dirty="0">
-                <a:solidFill>
-                  <a:prstClr val="white"/>
-                </a:solidFill>
-              </a:endParaRPr>
-            </a:p>
-          </p:txBody>
-        </p:sp>
-        <p:sp>
-          <p:nvSpPr>
-            <p:cNvPr id="35" name="Down Arrow 34"/>
-            <p:cNvSpPr/>
-            <p:nvPr/>
-          </p:nvSpPr>
-          <p:spPr>
-            <a:xfrm>
-              <a:off x="1204546" y="2961883"/>
-              <a:ext cx="457200" cy="457200"/>
-            </a:xfrm>
-            <a:prstGeom prst="downArrow">
-              <a:avLst/>
-            </a:prstGeom>
-          </p:spPr>
-          <p:style>
-            <a:lnRef idx="2">
-              <a:schemeClr val="dk1">
-                <a:shade val="50000"/>
-              </a:schemeClr>
-            </a:lnRef>
-            <a:fillRef idx="1">
-              <a:schemeClr val="dk1"/>
-            </a:fillRef>
-            <a:effectRef idx="0">
-              <a:schemeClr val="dk1"/>
-            </a:effectRef>
-            <a:fontRef idx="minor">
-              <a:schemeClr val="lt1"/>
-            </a:fontRef>
-          </p:style>
-          <p:txBody>
-            <a:bodyPr rtlCol="0" anchor="ctr"/>
-            <a:lstStyle/>
-            <a:p>
-              <a:pPr algn="ctr"/>
-              <a:endParaRPr lang="en-US">
-                <a:solidFill>
-                  <a:prstClr val="white"/>
-                </a:solidFill>
-              </a:endParaRPr>
-            </a:p>
-          </p:txBody>
-        </p:sp>
-        <p:sp>
-          <p:nvSpPr>
-            <p:cNvPr id="2" name="U-Turn Arrow 1"/>
-            <p:cNvSpPr/>
-            <p:nvPr/>
-          </p:nvSpPr>
-          <p:spPr>
-            <a:xfrm rot="10800000">
-              <a:off x="1204544" y="4343400"/>
-              <a:ext cx="6947564" cy="914400"/>
-            </a:xfrm>
-            <a:prstGeom prst="uturnArrow">
-              <a:avLst>
-                <a:gd name="adj1" fmla="val 25000"/>
-                <a:gd name="adj2" fmla="val 25000"/>
-                <a:gd name="adj3" fmla="val 25000"/>
-                <a:gd name="adj4" fmla="val 43750"/>
-                <a:gd name="adj5" fmla="val 100000"/>
-              </a:avLst>
-            </a:prstGeom>
-          </p:spPr>
-          <p:style>
-            <a:lnRef idx="2">
-              <a:schemeClr val="dk1">
-                <a:shade val="50000"/>
-              </a:schemeClr>
-            </a:lnRef>
-            <a:fillRef idx="1">
-              <a:schemeClr val="dk1"/>
-            </a:fillRef>
-            <a:effectRef idx="0">
-              <a:schemeClr val="dk1"/>
-            </a:effectRef>
-            <a:fontRef idx="minor">
-              <a:schemeClr val="lt1"/>
-            </a:fontRef>
-          </p:style>
-          <p:txBody>
-            <a:bodyPr rtlCol="0" anchor="ctr"/>
-            <a:lstStyle/>
-            <a:p>
-              <a:pPr algn="ctr"/>
-              <a:endParaRPr lang="en-US">
-                <a:solidFill>
-                  <a:prstClr val="white"/>
-                </a:solidFill>
-              </a:endParaRPr>
-            </a:p>
-          </p:txBody>
-        </p:sp>
-        <p:sp>
-          <p:nvSpPr>
-            <p:cNvPr id="13" name="Down Arrow 12"/>
-            <p:cNvSpPr/>
-            <p:nvPr/>
-          </p:nvSpPr>
-          <p:spPr>
-            <a:xfrm rot="16200000">
-              <a:off x="6501910" y="3629450"/>
-              <a:ext cx="457200" cy="457200"/>
-            </a:xfrm>
-            <a:prstGeom prst="downArrow">
-              <a:avLst/>
-            </a:prstGeom>
-          </p:spPr>
-          <p:style>
-            <a:lnRef idx="2">
-              <a:schemeClr val="dk1">
-                <a:shade val="50000"/>
-              </a:schemeClr>
-            </a:lnRef>
-            <a:fillRef idx="1">
-              <a:schemeClr val="dk1"/>
-            </a:fillRef>
-            <a:effectRef idx="0">
-              <a:schemeClr val="dk1"/>
-            </a:effectRef>
-            <a:fontRef idx="minor">
-              <a:schemeClr val="lt1"/>
-            </a:fontRef>
-          </p:style>
-          <p:txBody>
-            <a:bodyPr rtlCol="0" anchor="ctr"/>
-            <a:lstStyle/>
-            <a:p>
-              <a:pPr algn="ctr"/>
-              <a:endParaRPr lang="en-US">
-                <a:solidFill>
-                  <a:prstClr val="white"/>
-                </a:solidFill>
-              </a:endParaRPr>
-            </a:p>
-          </p:txBody>
-        </p:sp>
-        <p:sp>
-          <p:nvSpPr>
-            <p:cNvPr id="12" name="Rounded Rectangle 11"/>
-            <p:cNvSpPr/>
-            <p:nvPr/>
-          </p:nvSpPr>
-          <p:spPr>
-            <a:xfrm>
-              <a:off x="7049000" y="3555596"/>
-              <a:ext cx="1955516" cy="604909"/>
-            </a:xfrm>
-            <a:prstGeom prst="roundRect">
-              <a:avLst/>
-            </a:prstGeom>
-          </p:spPr>
-          <p:style>
-            <a:lnRef idx="2">
-              <a:schemeClr val="accent1">
-                <a:shade val="50000"/>
-              </a:schemeClr>
-            </a:lnRef>
-            <a:fillRef idx="1">
-              <a:schemeClr val="accent1"/>
-            </a:fillRef>
-            <a:effectRef idx="0">
-              <a:schemeClr val="accent1"/>
-            </a:effectRef>
-            <a:fontRef idx="minor">
-              <a:schemeClr val="lt1"/>
-            </a:fontRef>
-          </p:style>
-          <p:txBody>
-            <a:bodyPr rtlCol="0" anchor="t" anchorCtr="0"/>
-            <a:lstStyle/>
-            <a:p>
-              <a:pPr algn="ctr"/>
-              <a:r>
-                <a:rPr lang="en-US" sz="1050" b="1" u="sng" dirty="0" err="1" smtClean="0">
-                  <a:solidFill>
-                    <a:prstClr val="white"/>
-                  </a:solidFill>
-                </a:rPr>
-                <a:t>PostProcess</a:t>
-              </a:r>
-              <a:endParaRPr lang="en-US" sz="1050" b="1" u="sng" dirty="0" smtClean="0">
-                <a:solidFill>
-                  <a:prstClr val="white"/>
-                </a:solidFill>
-              </a:endParaRPr>
-            </a:p>
-            <a:p>
-              <a:pPr marL="119063" indent="-119063">
-                <a:buFont typeface="Arial" pitchFamily="34" charset="0"/>
-                <a:buChar char="•"/>
-              </a:pPr>
-              <a:r>
-                <a:rPr lang="en-US" sz="1050" i="1" dirty="0" smtClean="0"/>
-                <a:t>Combined Circuit Time Advanced by Cardiovascular</a:t>
-              </a:r>
-            </a:p>
-          </p:txBody>
-        </p:sp>
-      </p:grpSp>
-    </p:spTree>
-    <p:extLst>
-      <p:ext uri="{BB962C8B-B14F-4D97-AF65-F5344CB8AC3E}">
-        <p14:creationId xmlns:p14="http://schemas.microsoft.com/office/powerpoint/2010/main" val="4168358825"/>
-      </p:ext>
-    </p:extLst>
-  </p:cSld>
-  <p:clrMapOvr>
-    <a:masterClrMapping/>
-  </p:clrMapOvr>
-  <p:timing>
-    <p:tnLst>
-      <p:par>
-        <p:cTn id="1" dur="indefinite" restart="never" nodeType="tmRoot"/>
-      </p:par>
-    </p:tnLst>
-  </p:timing>
-</p:sld>
-</file>
-
-<file path=ppt/slides/slide2.xml><?xml version="1.0" encoding="utf-8"?>
-<p:sld xmlns:a="http://schemas.openxmlformats.org/drawingml/2006/main" xmlns:r="http://schemas.openxmlformats.org/officeDocument/2006/relationships" xmlns:p="http://schemas.openxmlformats.org/presentationml/2006/main">
-  <p:cSld>
-    <p:spTree>
-      <p:nvGrpSpPr>
-        <p:cNvPr id="1" name=""/>
-        <p:cNvGrpSpPr/>
-        <p:nvPr/>
-      </p:nvGrpSpPr>
-      <p:grpSpPr>
-        <a:xfrm>
-          <a:off x="0" y="0"/>
-          <a:ext cx="0" cy="0"/>
-          <a:chOff x="0" y="0"/>
-          <a:chExt cx="0" cy="0"/>
-        </a:xfrm>
-      </p:grpSpPr>
       <p:sp>
         <p:nvSpPr>
           <p:cNvPr id="2" name="Title 1"/>
@@ -6830,7 +6162,7 @@
 </p:sld>
 </file>
 
-<file path=ppt/slides/slide3.xml><?xml version="1.0" encoding="utf-8"?>
+<file path=ppt/slides/slide2.xml><?xml version="1.0" encoding="utf-8"?>
 <p:sld xmlns:a="http://schemas.openxmlformats.org/drawingml/2006/main" xmlns:r="http://schemas.openxmlformats.org/officeDocument/2006/relationships" xmlns:p="http://schemas.openxmlformats.org/presentationml/2006/main">
   <p:cSld>
     <p:spTree>
@@ -7911,10 +7243,9 @@
             <a:p>
               <a:pPr algn="ctr"/>
               <a:r>
-                <a:rPr lang="en-US" sz="2800" dirty="0" smtClean="0"/>
+                <a:rPr lang="en-US" sz="2800" dirty="0"/>
                 <a:t>Time = 0</a:t>
               </a:r>
-              <a:endParaRPr lang="en-US" sz="2800" dirty="0"/>
             </a:p>
           </p:txBody>
         </p:sp>
@@ -7942,10 +7273,9 @@
             <a:p>
               <a:pPr algn="ctr"/>
               <a:r>
-                <a:rPr lang="en-US" sz="2800" dirty="0" smtClean="0"/>
+                <a:rPr lang="en-US" sz="2800" dirty="0"/>
                 <a:t>Time = 10</a:t>
               </a:r>
-              <a:endParaRPr lang="en-US" sz="2800" dirty="0"/>
             </a:p>
           </p:txBody>
         </p:sp>
@@ -7973,10 +7303,9 @@
           <a:lstStyle/>
           <a:p>
             <a:r>
-              <a:rPr lang="en-US" dirty="0" smtClean="0"/>
+              <a:rPr lang="en-US" dirty="0"/>
               <a:t>Please do not delete this.</a:t>
             </a:r>
-            <a:endParaRPr lang="en-US" dirty="0"/>
           </a:p>
         </p:txBody>
       </p:sp>
@@ -7993,7 +7322,7 @@
 </p:sld>
 </file>
 
-<file path=ppt/slides/slide4.xml><?xml version="1.0" encoding="utf-8"?>
+<file path=ppt/slides/slide3.xml><?xml version="1.0" encoding="utf-8"?>
 <p:sld xmlns:a="http://schemas.openxmlformats.org/drawingml/2006/main" xmlns:r="http://schemas.openxmlformats.org/officeDocument/2006/relationships" xmlns:p="http://schemas.openxmlformats.org/presentationml/2006/main">
   <p:cSld>
     <p:spTree>
@@ -8078,10 +7407,9 @@
             <a:p>
               <a:pPr algn="ctr"/>
               <a:r>
-                <a:rPr lang="en-US" dirty="0" smtClean="0"/>
+                <a:rPr lang="en-US" dirty="0"/>
                 <a:t>Alveolar Air</a:t>
               </a:r>
-              <a:endParaRPr lang="en-US" dirty="0"/>
             </a:p>
           </p:txBody>
         </p:sp>
@@ -8120,10 +7448,9 @@
             <a:p>
               <a:pPr algn="ctr"/>
               <a:r>
-                <a:rPr lang="en-US" dirty="0" smtClean="0"/>
+                <a:rPr lang="en-US" dirty="0"/>
                 <a:t>Water</a:t>
               </a:r>
-              <a:endParaRPr lang="en-US" dirty="0"/>
             </a:p>
           </p:txBody>
         </p:sp>
@@ -8162,10 +7489,9 @@
             <a:p>
               <a:pPr algn="ctr"/>
               <a:r>
-                <a:rPr lang="en-US" dirty="0" smtClean="0"/>
+                <a:rPr lang="en-US" dirty="0"/>
                 <a:t>Barrier</a:t>
               </a:r>
-              <a:endParaRPr lang="en-US" dirty="0"/>
             </a:p>
           </p:txBody>
         </p:sp>
@@ -8204,10 +7530,9 @@
             <a:p>
               <a:pPr algn="ctr"/>
               <a:r>
-                <a:rPr lang="en-US" dirty="0" smtClean="0"/>
+                <a:rPr lang="en-US" dirty="0"/>
                 <a:t>Blood</a:t>
               </a:r>
-              <a:endParaRPr lang="en-US" dirty="0"/>
             </a:p>
           </p:txBody>
         </p:sp>
@@ -8234,15 +7559,15 @@
             <a:lstStyle/>
             <a:p>
               <a:r>
-                <a:rPr lang="en-US" dirty="0" smtClean="0"/>
+                <a:rPr lang="en-US" dirty="0"/>
                 <a:t>P</a:t>
               </a:r>
               <a:r>
-                <a:rPr lang="en-US" baseline="-25000" dirty="0" smtClean="0"/>
+                <a:rPr lang="en-US" baseline="-25000" dirty="0"/>
                 <a:t>O</a:t>
               </a:r>
               <a:r>
-                <a:rPr lang="en-US" baseline="-40000" dirty="0" smtClean="0"/>
+                <a:rPr lang="en-US" baseline="-40000" dirty="0"/>
                 <a:t>2</a:t>
               </a:r>
               <a:endParaRPr lang="en-US" dirty="0"/>
@@ -8272,18 +7597,17 @@
             <a:lstStyle/>
             <a:p>
               <a:r>
-                <a:rPr lang="en-US" dirty="0" smtClean="0"/>
+                <a:rPr lang="en-US" dirty="0"/>
                 <a:t>[O</a:t>
               </a:r>
               <a:r>
-                <a:rPr lang="en-US" baseline="-25000" dirty="0" smtClean="0"/>
+                <a:rPr lang="en-US" baseline="-25000" dirty="0"/>
                 <a:t>2</a:t>
               </a:r>
               <a:r>
-                <a:rPr lang="en-US" dirty="0" smtClean="0"/>
+                <a:rPr lang="en-US" dirty="0"/>
                 <a:t>]</a:t>
               </a:r>
-              <a:endParaRPr lang="en-US" dirty="0"/>
             </a:p>
           </p:txBody>
         </p:sp>
@@ -8310,18 +7634,17 @@
             <a:lstStyle/>
             <a:p>
               <a:r>
-                <a:rPr lang="en-US" dirty="0" smtClean="0"/>
+                <a:rPr lang="en-US" dirty="0"/>
                 <a:t>[O</a:t>
               </a:r>
               <a:r>
-                <a:rPr lang="en-US" baseline="-25000" dirty="0" smtClean="0"/>
+                <a:rPr lang="en-US" baseline="-25000" dirty="0"/>
                 <a:t>2</a:t>
               </a:r>
               <a:r>
-                <a:rPr lang="en-US" dirty="0" smtClean="0"/>
+                <a:rPr lang="en-US" dirty="0"/>
                 <a:t>]</a:t>
               </a:r>
-              <a:endParaRPr lang="en-US" dirty="0"/>
             </a:p>
           </p:txBody>
         </p:sp>
@@ -8348,19 +7671,19 @@
             <a:lstStyle/>
             <a:p>
               <a:r>
-                <a:rPr lang="en-US" dirty="0" smtClean="0"/>
+                <a:rPr lang="en-US" dirty="0"/>
                 <a:t>[O</a:t>
               </a:r>
               <a:r>
-                <a:rPr lang="en-US" baseline="-25000" dirty="0" smtClean="0"/>
+                <a:rPr lang="en-US" baseline="-25000" dirty="0"/>
                 <a:t>2</a:t>
               </a:r>
               <a:r>
-                <a:rPr lang="en-US" dirty="0" smtClean="0"/>
+                <a:rPr lang="en-US" dirty="0"/>
                 <a:t>] + Bound O</a:t>
               </a:r>
               <a:r>
-                <a:rPr lang="en-US" baseline="-25000" dirty="0" smtClean="0"/>
+                <a:rPr lang="en-US" baseline="-25000" dirty="0"/>
                 <a:t>2</a:t>
               </a:r>
               <a:endParaRPr lang="en-US" dirty="0"/>
@@ -8402,10 +7725,9 @@
             <a:p>
               <a:pPr algn="ctr"/>
               <a:r>
-                <a:rPr lang="en-US" dirty="0" smtClean="0"/>
+                <a:rPr lang="en-US" dirty="0"/>
                 <a:t>Alveolar Diffusion</a:t>
               </a:r>
-              <a:endParaRPr lang="en-US" dirty="0"/>
             </a:p>
           </p:txBody>
         </p:sp>
@@ -8423,7 +7745,7 @@
 </p:sld>
 </file>
 
-<file path=ppt/slides/slide5.xml><?xml version="1.0" encoding="utf-8"?>
+<file path=ppt/slides/slide4.xml><?xml version="1.0" encoding="utf-8"?>
 <p:sld xmlns:a="http://schemas.openxmlformats.org/drawingml/2006/main" xmlns:r="http://schemas.openxmlformats.org/officeDocument/2006/relationships" xmlns:p="http://schemas.openxmlformats.org/presentationml/2006/main">
   <p:cSld>
     <p:spTree>
@@ -8733,10 +8055,9 @@
             <a:p>
               <a:pPr algn="ctr"/>
               <a:r>
-                <a:rPr lang="en-US" sz="1600" dirty="0" smtClean="0"/>
+                <a:rPr lang="en-US" sz="1600" dirty="0"/>
                 <a:t>Perfusion Limited Diffusion</a:t>
               </a:r>
-              <a:endParaRPr lang="en-US" sz="1600" dirty="0"/>
             </a:p>
           </p:txBody>
         </p:sp>
@@ -8775,10 +8096,9 @@
             <a:p>
               <a:pPr algn="ctr"/>
               <a:r>
-                <a:rPr lang="en-US" sz="1600" dirty="0" smtClean="0"/>
+                <a:rPr lang="en-US" sz="1600" dirty="0"/>
                 <a:t>Facilitated Diffusion</a:t>
               </a:r>
-              <a:endParaRPr lang="en-US" sz="1600" dirty="0"/>
             </a:p>
           </p:txBody>
         </p:sp>
@@ -8817,10 +8137,9 @@
             <a:p>
               <a:pPr algn="ctr"/>
               <a:r>
-                <a:rPr lang="en-US" dirty="0" smtClean="0"/>
+                <a:rPr lang="en-US" dirty="0"/>
                 <a:t>Blood Compartment</a:t>
               </a:r>
-              <a:endParaRPr lang="en-US" dirty="0"/>
             </a:p>
           </p:txBody>
         </p:sp>
@@ -8859,10 +8178,9 @@
             <a:p>
               <a:pPr algn="ctr"/>
               <a:r>
-                <a:rPr lang="en-US" dirty="0" smtClean="0"/>
+                <a:rPr lang="en-US" dirty="0"/>
                 <a:t>Tissue Compartment</a:t>
               </a:r>
-              <a:endParaRPr lang="en-US" dirty="0"/>
             </a:p>
           </p:txBody>
         </p:sp>
@@ -8890,10 +8208,9 @@
             <a:p>
               <a:pPr algn="ctr"/>
               <a:r>
-                <a:rPr lang="en-US" sz="1600" dirty="0" smtClean="0"/>
+                <a:rPr lang="en-US" sz="1600" dirty="0"/>
                 <a:t>Extracellular Fluid</a:t>
               </a:r>
-              <a:endParaRPr lang="en-US" sz="1600" dirty="0"/>
             </a:p>
           </p:txBody>
         </p:sp>
@@ -8920,10 +8237,9 @@
             <a:p>
               <a:pPr algn="ctr"/>
               <a:r>
-                <a:rPr lang="en-US" sz="1600" dirty="0" smtClean="0"/>
+                <a:rPr lang="en-US" sz="1600" dirty="0"/>
                 <a:t>Intracellular Fluid</a:t>
               </a:r>
-              <a:endParaRPr lang="en-US" sz="1600" dirty="0"/>
             </a:p>
           </p:txBody>
         </p:sp>
@@ -8950,10 +8266,9 @@
             <a:p>
               <a:pPr algn="ctr"/>
               <a:r>
-                <a:rPr lang="en-US" sz="1600" dirty="0" smtClean="0"/>
+                <a:rPr lang="en-US" sz="1600" dirty="0"/>
                 <a:t>Parenchyma</a:t>
               </a:r>
-              <a:endParaRPr lang="en-US" sz="1600" dirty="0"/>
             </a:p>
           </p:txBody>
         </p:sp>
@@ -8992,10 +8307,9 @@
             <a:p>
               <a:pPr algn="ctr"/>
               <a:r>
-                <a:rPr lang="en-US" sz="1600" dirty="0" smtClean="0"/>
+                <a:rPr lang="en-US" sz="1600" dirty="0"/>
                 <a:t>Instant Diffusion</a:t>
               </a:r>
-              <a:endParaRPr lang="en-US" sz="1600" dirty="0"/>
             </a:p>
           </p:txBody>
         </p:sp>
@@ -9034,10 +8348,9 @@
             <a:p>
               <a:pPr algn="ctr"/>
               <a:r>
-                <a:rPr lang="en-US" sz="1600" dirty="0" smtClean="0"/>
+                <a:rPr lang="en-US" sz="1600" dirty="0"/>
                 <a:t>Active Transport</a:t>
               </a:r>
-              <a:endParaRPr lang="en-US" sz="1600" dirty="0"/>
             </a:p>
           </p:txBody>
         </p:sp>
@@ -9076,10 +8389,9 @@
             <a:p>
               <a:pPr algn="ctr"/>
               <a:r>
-                <a:rPr lang="en-US" sz="1600" dirty="0" smtClean="0"/>
+                <a:rPr lang="en-US" sz="1600" dirty="0"/>
                 <a:t>Active Transport</a:t>
               </a:r>
-              <a:endParaRPr lang="en-US" sz="1600" dirty="0"/>
             </a:p>
           </p:txBody>
         </p:sp>
@@ -9118,10 +8430,9 @@
             <a:p>
               <a:pPr algn="ctr"/>
               <a:r>
-                <a:rPr lang="en-US" sz="1600" dirty="0" smtClean="0"/>
+                <a:rPr lang="en-US" sz="1600" dirty="0"/>
                 <a:t>Instant Diffusion</a:t>
               </a:r>
-              <a:endParaRPr lang="en-US" sz="1600" dirty="0"/>
             </a:p>
           </p:txBody>
         </p:sp>
@@ -9160,10 +8471,9 @@
             <a:p>
               <a:pPr algn="ctr"/>
               <a:r>
-                <a:rPr lang="en-US" sz="1600" dirty="0" smtClean="0"/>
+                <a:rPr lang="en-US" sz="1600" dirty="0"/>
                 <a:t>Facilitated Diffusion</a:t>
               </a:r>
-              <a:endParaRPr lang="en-US" sz="1600" dirty="0"/>
             </a:p>
           </p:txBody>
         </p:sp>
